--- a/sprint 2 ppt.pptx
+++ b/sprint 2 ppt.pptx
@@ -17,7 +17,8 @@
     <p:sldId id="265" r:id="rId11"/>
     <p:sldId id="266" r:id="rId12"/>
     <p:sldId id="267" r:id="rId13"/>
-    <p:sldId id="268" r:id="rId14"/>
+    <p:sldId id="269" r:id="rId14"/>
+    <p:sldId id="268" r:id="rId15"/>
   </p:sldIdLst>
   <p:sldSz cx="9144000" cy="6858000" type="screen4x3"/>
   <p:notesSz cx="6858000" cy="9144000"/>
@@ -313,7 +314,7 @@
           <a:p>
             <a:fld id="{42BB4189-B169-424C-B0BA-1DC27877BF04}" type="datetimeFigureOut">
               <a:rPr lang="en-IN" smtClean="0"/>
-              <a:t>28-08-2022</a:t>
+              <a:t>29-08-2022</a:t>
             </a:fld>
             <a:endParaRPr lang="en-IN"/>
           </a:p>
@@ -478,7 +479,7 @@
           <a:p>
             <a:fld id="{42BB4189-B169-424C-B0BA-1DC27877BF04}" type="datetimeFigureOut">
               <a:rPr lang="en-IN" smtClean="0"/>
-              <a:t>28-08-2022</a:t>
+              <a:t>29-08-2022</a:t>
             </a:fld>
             <a:endParaRPr lang="en-IN"/>
           </a:p>
@@ -653,7 +654,7 @@
           <a:p>
             <a:fld id="{42BB4189-B169-424C-B0BA-1DC27877BF04}" type="datetimeFigureOut">
               <a:rPr lang="en-IN" smtClean="0"/>
-              <a:t>28-08-2022</a:t>
+              <a:t>29-08-2022</a:t>
             </a:fld>
             <a:endParaRPr lang="en-IN"/>
           </a:p>
@@ -818,7 +819,7 @@
           <a:p>
             <a:fld id="{42BB4189-B169-424C-B0BA-1DC27877BF04}" type="datetimeFigureOut">
               <a:rPr lang="en-IN" smtClean="0"/>
-              <a:t>28-08-2022</a:t>
+              <a:t>29-08-2022</a:t>
             </a:fld>
             <a:endParaRPr lang="en-IN"/>
           </a:p>
@@ -1059,7 +1060,7 @@
           <a:p>
             <a:fld id="{42BB4189-B169-424C-B0BA-1DC27877BF04}" type="datetimeFigureOut">
               <a:rPr lang="en-IN" smtClean="0"/>
-              <a:t>28-08-2022</a:t>
+              <a:t>29-08-2022</a:t>
             </a:fld>
             <a:endParaRPr lang="en-IN"/>
           </a:p>
@@ -1342,7 +1343,7 @@
           <a:p>
             <a:fld id="{42BB4189-B169-424C-B0BA-1DC27877BF04}" type="datetimeFigureOut">
               <a:rPr lang="en-IN" smtClean="0"/>
-              <a:t>28-08-2022</a:t>
+              <a:t>29-08-2022</a:t>
             </a:fld>
             <a:endParaRPr lang="en-IN"/>
           </a:p>
@@ -1771,7 +1772,7 @@
           <a:p>
             <a:fld id="{42BB4189-B169-424C-B0BA-1DC27877BF04}" type="datetimeFigureOut">
               <a:rPr lang="en-IN" smtClean="0"/>
-              <a:t>28-08-2022</a:t>
+              <a:t>29-08-2022</a:t>
             </a:fld>
             <a:endParaRPr lang="en-IN"/>
           </a:p>
@@ -1884,7 +1885,7 @@
           <a:p>
             <a:fld id="{42BB4189-B169-424C-B0BA-1DC27877BF04}" type="datetimeFigureOut">
               <a:rPr lang="en-IN" smtClean="0"/>
-              <a:t>28-08-2022</a:t>
+              <a:t>29-08-2022</a:t>
             </a:fld>
             <a:endParaRPr lang="en-IN"/>
           </a:p>
@@ -1974,7 +1975,7 @@
           <a:p>
             <a:fld id="{42BB4189-B169-424C-B0BA-1DC27877BF04}" type="datetimeFigureOut">
               <a:rPr lang="en-IN" smtClean="0"/>
-              <a:t>28-08-2022</a:t>
+              <a:t>29-08-2022</a:t>
             </a:fld>
             <a:endParaRPr lang="en-IN"/>
           </a:p>
@@ -2163,7 +2164,7 @@
           <a:p>
             <a:fld id="{42BB4189-B169-424C-B0BA-1DC27877BF04}" type="datetimeFigureOut">
               <a:rPr lang="en-IN" smtClean="0"/>
-              <a:t>28-08-2022</a:t>
+              <a:t>29-08-2022</a:t>
             </a:fld>
             <a:endParaRPr lang="en-IN"/>
           </a:p>
@@ -2481,7 +2482,7 @@
           <a:p>
             <a:fld id="{42BB4189-B169-424C-B0BA-1DC27877BF04}" type="datetimeFigureOut">
               <a:rPr lang="en-IN" smtClean="0"/>
-              <a:t>28-08-2022</a:t>
+              <a:t>29-08-2022</a:t>
             </a:fld>
             <a:endParaRPr lang="en-IN"/>
           </a:p>
@@ -2860,7 +2861,7 @@
           <a:p>
             <a:fld id="{42BB4189-B169-424C-B0BA-1DC27877BF04}" type="datetimeFigureOut">
               <a:rPr lang="en-IN" smtClean="0"/>
-              <a:t>28-08-2022</a:t>
+              <a:t>29-08-2022</a:t>
             </a:fld>
             <a:endParaRPr lang="en-IN"/>
           </a:p>
@@ -3509,7 +3510,19 @@
           <a:bodyPr/>
           <a:lstStyle/>
           <a:p>
-            <a:endParaRPr lang="en-IN"/>
+            <a:r>
+              <a:rPr lang="en-IN" sz="4000" dirty="0" smtClean="0"/>
+              <a:t>(</a:t>
+            </a:r>
+            <a:r>
+              <a:rPr lang="en-IN" sz="4000" dirty="0" err="1" smtClean="0"/>
+              <a:t>Cont</a:t>
+            </a:r>
+            <a:r>
+              <a:rPr lang="en-IN" smtClean="0"/>
+              <a:t>…)</a:t>
+            </a:r>
+            <a:endParaRPr lang="en-IN" dirty="0"/>
           </a:p>
         </p:txBody>
       </p:sp>
@@ -3587,6 +3600,134 @@
           <a:bodyPr/>
           <a:lstStyle/>
           <a:p>
+            <a:r>
+              <a:rPr lang="en-IN" sz="4800" dirty="0" smtClean="0"/>
+              <a:t>		</a:t>
+            </a:r>
+            <a:r>
+              <a:rPr lang="en-IN" sz="4000" dirty="0" smtClean="0"/>
+              <a:t>CONCLUSION</a:t>
+            </a:r>
+            <a:endParaRPr lang="en-IN" sz="4000" dirty="0"/>
+          </a:p>
+        </p:txBody>
+      </p:sp>
+      <p:sp>
+        <p:nvSpPr>
+          <p:cNvPr id="3" name="Content Placeholder 2"/>
+          <p:cNvSpPr>
+            <a:spLocks noGrp="1"/>
+          </p:cNvSpPr>
+          <p:nvPr>
+            <p:ph idx="1"/>
+          </p:nvPr>
+        </p:nvSpPr>
+        <p:spPr/>
+        <p:txBody>
+          <a:bodyPr/>
+          <a:lstStyle/>
+          <a:p>
+            <a:pPr>
+              <a:buFont typeface="Wingdings" panose="05000000000000000000" pitchFamily="2" charset="2"/>
+              <a:buChar char="Ø"/>
+            </a:pPr>
+            <a:endParaRPr lang="en-IN" sz="2400" dirty="0" smtClean="0"/>
+          </a:p>
+          <a:p>
+            <a:pPr>
+              <a:buFont typeface="Wingdings" panose="05000000000000000000" pitchFamily="2" charset="2"/>
+              <a:buChar char="Ø"/>
+            </a:pPr>
+            <a:endParaRPr lang="en-IN" sz="2400" dirty="0"/>
+          </a:p>
+          <a:p>
+            <a:pPr>
+              <a:buFont typeface="Wingdings" panose="05000000000000000000" pitchFamily="2" charset="2"/>
+              <a:buChar char="Ø"/>
+            </a:pPr>
+            <a:r>
+              <a:rPr lang="en-IN" sz="2400" dirty="0" smtClean="0"/>
+              <a:t>Thus </a:t>
+            </a:r>
+            <a:r>
+              <a:rPr lang="en-IN" sz="2400" dirty="0"/>
+              <a:t>the Shop For Home web application is developed as the instructions</a:t>
+            </a:r>
+          </a:p>
+          <a:p>
+            <a:pPr>
+              <a:buFont typeface="Wingdings" panose="05000000000000000000" pitchFamily="2" charset="2"/>
+              <a:buChar char="Ø"/>
+            </a:pPr>
+            <a:r>
+              <a:rPr lang="en-IN" sz="2400" dirty="0"/>
+              <a:t>Since the </a:t>
+            </a:r>
+            <a:r>
+              <a:rPr lang="en-IN" sz="2400" dirty="0" smtClean="0"/>
+              <a:t>nine objectives </a:t>
+            </a:r>
+            <a:r>
+              <a:rPr lang="en-IN" sz="2400" dirty="0"/>
+              <a:t>listed in sprint </a:t>
+            </a:r>
+            <a:r>
+              <a:rPr lang="en-IN" sz="2400" dirty="0" smtClean="0"/>
+              <a:t>2 </a:t>
+            </a:r>
+            <a:r>
+              <a:rPr lang="en-IN" sz="2400" dirty="0"/>
+              <a:t>document are all effectively implemented</a:t>
+            </a:r>
+            <a:endParaRPr lang="en-IN" dirty="0"/>
+          </a:p>
+        </p:txBody>
+      </p:sp>
+    </p:spTree>
+    <p:extLst>
+      <p:ext uri="{BB962C8B-B14F-4D97-AF65-F5344CB8AC3E}">
+        <p14:creationId xmlns:p14="http://schemas.microsoft.com/office/powerpoint/2010/main" val="1659534892"/>
+      </p:ext>
+    </p:extLst>
+  </p:cSld>
+  <p:clrMapOvr>
+    <a:masterClrMapping/>
+  </p:clrMapOvr>
+</p:sld>
+</file>
+
+<file path=ppt/slides/slide14.xml><?xml version="1.0" encoding="utf-8"?>
+<p:sld xmlns:a="http://schemas.openxmlformats.org/drawingml/2006/main" xmlns:r="http://schemas.openxmlformats.org/officeDocument/2006/relationships" xmlns:p="http://schemas.openxmlformats.org/presentationml/2006/main">
+  <p:cSld>
+    <p:spTree>
+      <p:nvGrpSpPr>
+        <p:cNvPr id="1" name=""/>
+        <p:cNvGrpSpPr/>
+        <p:nvPr/>
+      </p:nvGrpSpPr>
+      <p:grpSpPr>
+        <a:xfrm>
+          <a:off x="0" y="0"/>
+          <a:ext cx="0" cy="0"/>
+          <a:chOff x="0" y="0"/>
+          <a:chExt cx="0" cy="0"/>
+        </a:xfrm>
+      </p:grpSpPr>
+      <p:sp>
+        <p:nvSpPr>
+          <p:cNvPr id="2" name="Title 1"/>
+          <p:cNvSpPr>
+            <a:spLocks noGrp="1"/>
+          </p:cNvSpPr>
+          <p:nvPr>
+            <p:ph type="title"/>
+          </p:nvPr>
+        </p:nvSpPr>
+        <p:spPr/>
+        <p:txBody>
+          <a:bodyPr/>
+          <a:lstStyle/>
+          <a:p>
             <a:endParaRPr lang="en-IN"/>
           </a:p>
         </p:txBody>
@@ -3720,24 +3861,122 @@
             </a:pPr>
             <a:r>
               <a:rPr lang="en-US" sz="2000" dirty="0" smtClean="0"/>
-              <a:t>	</a:t>
-            </a:r>
-            <a:r>
-              <a:rPr lang="en-US" sz="2400" dirty="0" smtClean="0"/>
-              <a:t>Shop </a:t>
-            </a:r>
-            <a:r>
-              <a:rPr lang="en-US" sz="2400" dirty="0"/>
+              <a:t>	Shop </a:t>
+            </a:r>
+            <a:r>
+              <a:rPr lang="en-US" sz="2000" dirty="0"/>
               <a:t>For Home is a popular Store in the market for shopping the home décor stuff . Due to </a:t>
             </a:r>
             <a:r>
-              <a:rPr lang="en-US" sz="2400" dirty="0" err="1"/>
+              <a:rPr lang="en-US" sz="2000" dirty="0" err="1"/>
               <a:t>Covid</a:t>
             </a:r>
             <a:r>
-              <a:rPr lang="en-US" sz="2400" dirty="0"/>
-              <a:t> 19 all the offline shopping stopped. So, the store wants to move to the cloud platforms and wants their own web application.</a:t>
-            </a:r>
+              <a:rPr lang="en-US" sz="2000" dirty="0"/>
+              <a:t> 19 all the offline shopping stopped. So, the store wants to move to the cloud platforms and wants their own web application</a:t>
+            </a:r>
+            <a:r>
+              <a:rPr lang="en-US" sz="2000" dirty="0" smtClean="0"/>
+              <a:t>.</a:t>
+            </a:r>
+          </a:p>
+          <a:p>
+            <a:pPr marL="114300" indent="0">
+              <a:buNone/>
+            </a:pPr>
+            <a:endParaRPr lang="en-US" sz="2000" dirty="0" smtClean="0"/>
+          </a:p>
+          <a:p>
+            <a:pPr marL="114300" indent="0">
+              <a:buNone/>
+            </a:pPr>
+            <a:r>
+              <a:rPr lang="en-IN" sz="2000" b="1" dirty="0"/>
+              <a:t>CONTRIBUTION TO PROJECT :</a:t>
+            </a:r>
+          </a:p>
+          <a:p>
+            <a:pPr marL="457200" indent="-457200">
+              <a:buAutoNum type="arabicParenR"/>
+            </a:pPr>
+            <a:r>
+              <a:rPr lang="en-IN" sz="2000" dirty="0"/>
+              <a:t>Raavi Raja – worked on Frontend development</a:t>
+            </a:r>
+          </a:p>
+          <a:p>
+            <a:pPr marL="457200" indent="-457200">
+              <a:buFont typeface="Arial" pitchFamily="34" charset="0"/>
+              <a:buAutoNum type="arabicParenR"/>
+            </a:pPr>
+            <a:r>
+              <a:rPr lang="en-IN" sz="2000" dirty="0"/>
+              <a:t>Varanasi </a:t>
+            </a:r>
+            <a:r>
+              <a:rPr lang="en-IN" sz="2000" dirty="0" err="1"/>
+              <a:t>Madhuri</a:t>
+            </a:r>
+            <a:r>
+              <a:rPr lang="en-IN" sz="2000" dirty="0"/>
+              <a:t> – worked on Frontend development</a:t>
+            </a:r>
+          </a:p>
+          <a:p>
+            <a:pPr marL="457200" indent="-457200">
+              <a:buFont typeface="Arial" pitchFamily="34" charset="0"/>
+              <a:buAutoNum type="arabicParenR"/>
+            </a:pPr>
+            <a:r>
+              <a:rPr lang="en-IN" sz="2000" dirty="0" err="1"/>
+              <a:t>Addulamala</a:t>
+            </a:r>
+            <a:r>
+              <a:rPr lang="en-IN" sz="2000" dirty="0"/>
+              <a:t> </a:t>
+            </a:r>
+            <a:r>
+              <a:rPr lang="en-IN" sz="2000" dirty="0" err="1"/>
+              <a:t>Madhuri</a:t>
+            </a:r>
+            <a:r>
+              <a:rPr lang="en-IN" sz="2000" dirty="0"/>
+              <a:t> - worked on Backend development</a:t>
+            </a:r>
+          </a:p>
+          <a:p>
+            <a:pPr marL="457200" indent="-457200">
+              <a:buFont typeface="Arial" pitchFamily="34" charset="0"/>
+              <a:buAutoNum type="arabicParenR"/>
+            </a:pPr>
+            <a:r>
+              <a:rPr lang="en-IN" sz="2000" dirty="0" err="1"/>
+              <a:t>Mohanachary</a:t>
+            </a:r>
+            <a:r>
+              <a:rPr lang="en-IN" sz="2000" dirty="0"/>
+              <a:t> </a:t>
+            </a:r>
+            <a:r>
+              <a:rPr lang="en-IN" sz="2000" dirty="0" err="1"/>
+              <a:t>Nandini</a:t>
+            </a:r>
+            <a:r>
+              <a:rPr lang="en-IN" sz="2000" dirty="0"/>
+              <a:t> - worked on Backend development</a:t>
+            </a:r>
+          </a:p>
+          <a:p>
+            <a:pPr marL="457200" indent="-457200">
+              <a:buFont typeface="Arial" pitchFamily="34" charset="0"/>
+              <a:buAutoNum type="arabicParenR"/>
+            </a:pPr>
+            <a:endParaRPr lang="en-IN" sz="2400" dirty="0"/>
+          </a:p>
+          <a:p>
+            <a:pPr marL="114300" indent="0">
+              <a:buNone/>
+            </a:pPr>
             <a:endParaRPr lang="en-IN" sz="2400" dirty="0"/>
           </a:p>
           <a:p>
@@ -3792,12 +4031,9 @@
           <a:p>
             <a:r>
               <a:rPr lang="en-IN" sz="4000" dirty="0" smtClean="0"/>
-              <a:t>		SOFTWARES </a:t>
-            </a:r>
-            <a:r>
-              <a:rPr lang="en-IN" sz="4000" dirty="0"/>
-              <a:t>USED</a:t>
-            </a:r>
+              <a:t>		SOFTWARES USED </a:t>
+            </a:r>
+            <a:endParaRPr lang="en-IN" sz="4000" dirty="0"/>
           </a:p>
         </p:txBody>
       </p:sp>
@@ -3811,7 +4047,12 @@
             <p:ph idx="1"/>
           </p:nvPr>
         </p:nvSpPr>
-        <p:spPr/>
+        <p:spPr>
+          <a:xfrm>
+            <a:off x="457200" y="1600200"/>
+            <a:ext cx="7620000" cy="5141168"/>
+          </a:xfrm>
+        </p:spPr>
         <p:txBody>
           <a:bodyPr/>
           <a:lstStyle/>
@@ -3821,7 +4062,15 @@
             </a:pPr>
             <a:r>
               <a:rPr lang="en-IN" dirty="0"/>
-              <a:t>1) FRONTEND :</a:t>
+              <a:t>1) </a:t>
+            </a:r>
+            <a:r>
+              <a:rPr lang="en-IN" b="1" dirty="0"/>
+              <a:t>FRONTEND</a:t>
+            </a:r>
+            <a:r>
+              <a:rPr lang="en-IN" dirty="0"/>
+              <a:t> :</a:t>
             </a:r>
           </a:p>
           <a:p>
@@ -3860,7 +4109,15 @@
             </a:pPr>
             <a:r>
               <a:rPr lang="en-IN" dirty="0"/>
-              <a:t>2) BACKEND :</a:t>
+              <a:t>2) </a:t>
+            </a:r>
+            <a:r>
+              <a:rPr lang="en-IN" b="1" dirty="0"/>
+              <a:t>BACKEND</a:t>
+            </a:r>
+            <a:r>
+              <a:rPr lang="en-IN" dirty="0"/>
+              <a:t> :</a:t>
             </a:r>
           </a:p>
           <a:p>
@@ -3885,6 +4142,29 @@
             <a:endParaRPr lang="en-IN" dirty="0"/>
           </a:p>
           <a:p>
+            <a:pPr marL="114300" indent="0">
+              <a:buNone/>
+            </a:pPr>
+            <a:endParaRPr lang="en-IN" dirty="0" smtClean="0"/>
+          </a:p>
+          <a:p>
+            <a:pPr marL="457200" indent="-457200">
+              <a:buFont typeface="Arial" pitchFamily="34" charset="0"/>
+              <a:buAutoNum type="arabicParenR"/>
+            </a:pPr>
+            <a:endParaRPr lang="en-IN" dirty="0" smtClean="0"/>
+          </a:p>
+          <a:p>
+            <a:pPr marL="457200" indent="-457200">
+              <a:buFont typeface="Arial" pitchFamily="34" charset="0"/>
+              <a:buAutoNum type="arabicParenR"/>
+            </a:pPr>
+            <a:endParaRPr lang="en-IN" dirty="0"/>
+          </a:p>
+          <a:p>
+            <a:pPr marL="457200" indent="-457200">
+              <a:buAutoNum type="arabicParenR"/>
+            </a:pPr>
             <a:endParaRPr lang="en-IN" dirty="0"/>
           </a:p>
         </p:txBody>
